--- a/SANTO ESPIRITO.pptx
+++ b/SANTO ESPIRITO.pptx
@@ -12,6 +12,7 @@
     <p:sldId id="261" r:id="rId6"/>
     <p:sldId id="262" r:id="rId7"/>
     <p:sldId id="263" r:id="rId8"/>
+    <p:sldId id="265" r:id="rId9"/>
   </p:sldIdLst>
   <p:sldSz cx="12192000" cy="6858000"/>
   <p:notesSz cx="6858000" cy="9144000"/>
@@ -110,6 +111,11 @@
       </a:defRPr>
     </a:lvl9pPr>
   </p:defaultTextStyle>
+  <p:extLst>
+    <p:ext uri="{EFAFB233-063F-42B5-8137-9DF3F51BA10A}">
+      <p15:sldGuideLst xmlns:p15="http://schemas.microsoft.com/office/powerpoint/2012/main"/>
+    </p:ext>
+  </p:extLst>
 </p:presentation>
 </file>
 
@@ -155,10 +161,9 @@
           </a:lstStyle>
           <a:p>
             <a:r>
-              <a:rPr lang="pt-BR" smtClean="0"/>
+              <a:rPr lang="pt-BR"/>
               <a:t>Clique para editar o título mestre</a:t>
             </a:r>
-            <a:endParaRPr lang="pt-BR"/>
           </a:p>
         </p:txBody>
       </p:sp>
@@ -220,10 +225,9 @@
           </a:lstStyle>
           <a:p>
             <a:r>
-              <a:rPr lang="pt-BR" smtClean="0"/>
+              <a:rPr lang="pt-BR"/>
               <a:t>Clique para editar o estilo do subtítulo Mestre</a:t>
             </a:r>
-            <a:endParaRPr lang="pt-BR"/>
           </a:p>
         </p:txBody>
       </p:sp>
@@ -244,7 +248,7 @@
           <a:p>
             <a:fld id="{A0C22A0B-7C0E-4745-8B8E-FB6EA55E6F93}" type="datetimeFigureOut">
               <a:rPr lang="pt-BR" smtClean="0"/>
-              <a:t>07/12/2021</a:t>
+              <a:t>26/08/2023</a:t>
             </a:fld>
             <a:endParaRPr lang="pt-BR"/>
           </a:p>
@@ -338,10 +342,9 @@
           <a:lstStyle/>
           <a:p>
             <a:r>
-              <a:rPr lang="pt-BR" smtClean="0"/>
+              <a:rPr lang="pt-BR"/>
               <a:t>Clique para editar o título mestre</a:t>
             </a:r>
-            <a:endParaRPr lang="pt-BR"/>
           </a:p>
         </p:txBody>
       </p:sp>
@@ -362,38 +365,37 @@
           <a:p>
             <a:pPr lvl="0"/>
             <a:r>
-              <a:rPr lang="pt-BR" smtClean="0"/>
+              <a:rPr lang="pt-BR"/>
               <a:t>Editar estilos de texto Mestre</a:t>
             </a:r>
           </a:p>
           <a:p>
             <a:pPr lvl="1"/>
             <a:r>
-              <a:rPr lang="pt-BR" smtClean="0"/>
+              <a:rPr lang="pt-BR"/>
               <a:t>Segundo nível</a:t>
             </a:r>
           </a:p>
           <a:p>
             <a:pPr lvl="2"/>
             <a:r>
-              <a:rPr lang="pt-BR" smtClean="0"/>
+              <a:rPr lang="pt-BR"/>
               <a:t>Terceiro nível</a:t>
             </a:r>
           </a:p>
           <a:p>
             <a:pPr lvl="3"/>
             <a:r>
-              <a:rPr lang="pt-BR" smtClean="0"/>
+              <a:rPr lang="pt-BR"/>
               <a:t>Quarto nível</a:t>
             </a:r>
           </a:p>
           <a:p>
             <a:pPr lvl="4"/>
             <a:r>
-              <a:rPr lang="pt-BR" smtClean="0"/>
+              <a:rPr lang="pt-BR"/>
               <a:t>Quinto nível</a:t>
             </a:r>
-            <a:endParaRPr lang="pt-BR"/>
           </a:p>
         </p:txBody>
       </p:sp>
@@ -414,7 +416,7 @@
           <a:p>
             <a:fld id="{A0C22A0B-7C0E-4745-8B8E-FB6EA55E6F93}" type="datetimeFigureOut">
               <a:rPr lang="pt-BR" smtClean="0"/>
-              <a:t>07/12/2021</a:t>
+              <a:t>26/08/2023</a:t>
             </a:fld>
             <a:endParaRPr lang="pt-BR"/>
           </a:p>
@@ -513,10 +515,9 @@
           <a:lstStyle/>
           <a:p>
             <a:r>
-              <a:rPr lang="pt-BR" smtClean="0"/>
+              <a:rPr lang="pt-BR"/>
               <a:t>Clique para editar o título mestre</a:t>
             </a:r>
-            <a:endParaRPr lang="pt-BR"/>
           </a:p>
         </p:txBody>
       </p:sp>
@@ -542,38 +543,37 @@
           <a:p>
             <a:pPr lvl="0"/>
             <a:r>
-              <a:rPr lang="pt-BR" smtClean="0"/>
+              <a:rPr lang="pt-BR"/>
               <a:t>Editar estilos de texto Mestre</a:t>
             </a:r>
           </a:p>
           <a:p>
             <a:pPr lvl="1"/>
             <a:r>
-              <a:rPr lang="pt-BR" smtClean="0"/>
+              <a:rPr lang="pt-BR"/>
               <a:t>Segundo nível</a:t>
             </a:r>
           </a:p>
           <a:p>
             <a:pPr lvl="2"/>
             <a:r>
-              <a:rPr lang="pt-BR" smtClean="0"/>
+              <a:rPr lang="pt-BR"/>
               <a:t>Terceiro nível</a:t>
             </a:r>
           </a:p>
           <a:p>
             <a:pPr lvl="3"/>
             <a:r>
-              <a:rPr lang="pt-BR" smtClean="0"/>
+              <a:rPr lang="pt-BR"/>
               <a:t>Quarto nível</a:t>
             </a:r>
           </a:p>
           <a:p>
             <a:pPr lvl="4"/>
             <a:r>
-              <a:rPr lang="pt-BR" smtClean="0"/>
+              <a:rPr lang="pt-BR"/>
               <a:t>Quinto nível</a:t>
             </a:r>
-            <a:endParaRPr lang="pt-BR"/>
           </a:p>
         </p:txBody>
       </p:sp>
@@ -594,7 +594,7 @@
           <a:p>
             <a:fld id="{A0C22A0B-7C0E-4745-8B8E-FB6EA55E6F93}" type="datetimeFigureOut">
               <a:rPr lang="pt-BR" smtClean="0"/>
-              <a:t>07/12/2021</a:t>
+              <a:t>26/08/2023</a:t>
             </a:fld>
             <a:endParaRPr lang="pt-BR"/>
           </a:p>
@@ -688,10 +688,9 @@
           <a:lstStyle/>
           <a:p>
             <a:r>
-              <a:rPr lang="pt-BR" smtClean="0"/>
+              <a:rPr lang="pt-BR"/>
               <a:t>Clique para editar o título mestre</a:t>
             </a:r>
-            <a:endParaRPr lang="pt-BR"/>
           </a:p>
         </p:txBody>
       </p:sp>
@@ -712,38 +711,37 @@
           <a:p>
             <a:pPr lvl="0"/>
             <a:r>
-              <a:rPr lang="pt-BR" smtClean="0"/>
+              <a:rPr lang="pt-BR"/>
               <a:t>Editar estilos de texto Mestre</a:t>
             </a:r>
           </a:p>
           <a:p>
             <a:pPr lvl="1"/>
             <a:r>
-              <a:rPr lang="pt-BR" smtClean="0"/>
+              <a:rPr lang="pt-BR"/>
               <a:t>Segundo nível</a:t>
             </a:r>
           </a:p>
           <a:p>
             <a:pPr lvl="2"/>
             <a:r>
-              <a:rPr lang="pt-BR" smtClean="0"/>
+              <a:rPr lang="pt-BR"/>
               <a:t>Terceiro nível</a:t>
             </a:r>
           </a:p>
           <a:p>
             <a:pPr lvl="3"/>
             <a:r>
-              <a:rPr lang="pt-BR" smtClean="0"/>
+              <a:rPr lang="pt-BR"/>
               <a:t>Quarto nível</a:t>
             </a:r>
           </a:p>
           <a:p>
             <a:pPr lvl="4"/>
             <a:r>
-              <a:rPr lang="pt-BR" smtClean="0"/>
+              <a:rPr lang="pt-BR"/>
               <a:t>Quinto nível</a:t>
             </a:r>
-            <a:endParaRPr lang="pt-BR"/>
           </a:p>
         </p:txBody>
       </p:sp>
@@ -764,7 +762,7 @@
           <a:p>
             <a:fld id="{A0C22A0B-7C0E-4745-8B8E-FB6EA55E6F93}" type="datetimeFigureOut">
               <a:rPr lang="pt-BR" smtClean="0"/>
-              <a:t>07/12/2021</a:t>
+              <a:t>26/08/2023</a:t>
             </a:fld>
             <a:endParaRPr lang="pt-BR"/>
           </a:p>
@@ -867,10 +865,9 @@
           </a:lstStyle>
           <a:p>
             <a:r>
-              <a:rPr lang="pt-BR" smtClean="0"/>
+              <a:rPr lang="pt-BR"/>
               <a:t>Clique para editar o título mestre</a:t>
             </a:r>
-            <a:endParaRPr lang="pt-BR"/>
           </a:p>
         </p:txBody>
       </p:sp>
@@ -987,7 +984,7 @@
           <a:p>
             <a:pPr lvl="0"/>
             <a:r>
-              <a:rPr lang="pt-BR" smtClean="0"/>
+              <a:rPr lang="pt-BR"/>
               <a:t>Editar estilos de texto Mestre</a:t>
             </a:r>
           </a:p>
@@ -1010,7 +1007,7 @@
           <a:p>
             <a:fld id="{A0C22A0B-7C0E-4745-8B8E-FB6EA55E6F93}" type="datetimeFigureOut">
               <a:rPr lang="pt-BR" smtClean="0"/>
-              <a:t>07/12/2021</a:t>
+              <a:t>26/08/2023</a:t>
             </a:fld>
             <a:endParaRPr lang="pt-BR"/>
           </a:p>
@@ -1104,10 +1101,9 @@
           <a:lstStyle/>
           <a:p>
             <a:r>
-              <a:rPr lang="pt-BR" smtClean="0"/>
+              <a:rPr lang="pt-BR"/>
               <a:t>Clique para editar o título mestre</a:t>
             </a:r>
-            <a:endParaRPr lang="pt-BR"/>
           </a:p>
         </p:txBody>
       </p:sp>
@@ -1133,38 +1129,37 @@
           <a:p>
             <a:pPr lvl="0"/>
             <a:r>
-              <a:rPr lang="pt-BR" smtClean="0"/>
+              <a:rPr lang="pt-BR"/>
               <a:t>Editar estilos de texto Mestre</a:t>
             </a:r>
           </a:p>
           <a:p>
             <a:pPr lvl="1"/>
             <a:r>
-              <a:rPr lang="pt-BR" smtClean="0"/>
+              <a:rPr lang="pt-BR"/>
               <a:t>Segundo nível</a:t>
             </a:r>
           </a:p>
           <a:p>
             <a:pPr lvl="2"/>
             <a:r>
-              <a:rPr lang="pt-BR" smtClean="0"/>
+              <a:rPr lang="pt-BR"/>
               <a:t>Terceiro nível</a:t>
             </a:r>
           </a:p>
           <a:p>
             <a:pPr lvl="3"/>
             <a:r>
-              <a:rPr lang="pt-BR" smtClean="0"/>
+              <a:rPr lang="pt-BR"/>
               <a:t>Quarto nível</a:t>
             </a:r>
           </a:p>
           <a:p>
             <a:pPr lvl="4"/>
             <a:r>
-              <a:rPr lang="pt-BR" smtClean="0"/>
+              <a:rPr lang="pt-BR"/>
               <a:t>Quinto nível</a:t>
             </a:r>
-            <a:endParaRPr lang="pt-BR"/>
           </a:p>
         </p:txBody>
       </p:sp>
@@ -1190,38 +1185,37 @@
           <a:p>
             <a:pPr lvl="0"/>
             <a:r>
-              <a:rPr lang="pt-BR" smtClean="0"/>
+              <a:rPr lang="pt-BR"/>
               <a:t>Editar estilos de texto Mestre</a:t>
             </a:r>
           </a:p>
           <a:p>
             <a:pPr lvl="1"/>
             <a:r>
-              <a:rPr lang="pt-BR" smtClean="0"/>
+              <a:rPr lang="pt-BR"/>
               <a:t>Segundo nível</a:t>
             </a:r>
           </a:p>
           <a:p>
             <a:pPr lvl="2"/>
             <a:r>
-              <a:rPr lang="pt-BR" smtClean="0"/>
+              <a:rPr lang="pt-BR"/>
               <a:t>Terceiro nível</a:t>
             </a:r>
           </a:p>
           <a:p>
             <a:pPr lvl="3"/>
             <a:r>
-              <a:rPr lang="pt-BR" smtClean="0"/>
+              <a:rPr lang="pt-BR"/>
               <a:t>Quarto nível</a:t>
             </a:r>
           </a:p>
           <a:p>
             <a:pPr lvl="4"/>
             <a:r>
-              <a:rPr lang="pt-BR" smtClean="0"/>
+              <a:rPr lang="pt-BR"/>
               <a:t>Quinto nível</a:t>
             </a:r>
-            <a:endParaRPr lang="pt-BR"/>
           </a:p>
         </p:txBody>
       </p:sp>
@@ -1242,7 +1236,7 @@
           <a:p>
             <a:fld id="{A0C22A0B-7C0E-4745-8B8E-FB6EA55E6F93}" type="datetimeFigureOut">
               <a:rPr lang="pt-BR" smtClean="0"/>
-              <a:t>07/12/2021</a:t>
+              <a:t>26/08/2023</a:t>
             </a:fld>
             <a:endParaRPr lang="pt-BR"/>
           </a:p>
@@ -1341,10 +1335,9 @@
           <a:lstStyle/>
           <a:p>
             <a:r>
-              <a:rPr lang="pt-BR" smtClean="0"/>
+              <a:rPr lang="pt-BR"/>
               <a:t>Clique para editar o título mestre</a:t>
             </a:r>
-            <a:endParaRPr lang="pt-BR"/>
           </a:p>
         </p:txBody>
       </p:sp>
@@ -1407,7 +1400,7 @@
           <a:p>
             <a:pPr lvl="0"/>
             <a:r>
-              <a:rPr lang="pt-BR" smtClean="0"/>
+              <a:rPr lang="pt-BR"/>
               <a:t>Editar estilos de texto Mestre</a:t>
             </a:r>
           </a:p>
@@ -1435,38 +1428,37 @@
           <a:p>
             <a:pPr lvl="0"/>
             <a:r>
-              <a:rPr lang="pt-BR" smtClean="0"/>
+              <a:rPr lang="pt-BR"/>
               <a:t>Editar estilos de texto Mestre</a:t>
             </a:r>
           </a:p>
           <a:p>
             <a:pPr lvl="1"/>
             <a:r>
-              <a:rPr lang="pt-BR" smtClean="0"/>
+              <a:rPr lang="pt-BR"/>
               <a:t>Segundo nível</a:t>
             </a:r>
           </a:p>
           <a:p>
             <a:pPr lvl="2"/>
             <a:r>
-              <a:rPr lang="pt-BR" smtClean="0"/>
+              <a:rPr lang="pt-BR"/>
               <a:t>Terceiro nível</a:t>
             </a:r>
           </a:p>
           <a:p>
             <a:pPr lvl="3"/>
             <a:r>
-              <a:rPr lang="pt-BR" smtClean="0"/>
+              <a:rPr lang="pt-BR"/>
               <a:t>Quarto nível</a:t>
             </a:r>
           </a:p>
           <a:p>
             <a:pPr lvl="4"/>
             <a:r>
-              <a:rPr lang="pt-BR" smtClean="0"/>
+              <a:rPr lang="pt-BR"/>
               <a:t>Quinto nível</a:t>
             </a:r>
-            <a:endParaRPr lang="pt-BR"/>
           </a:p>
         </p:txBody>
       </p:sp>
@@ -1529,7 +1521,7 @@
           <a:p>
             <a:pPr lvl="0"/>
             <a:r>
-              <a:rPr lang="pt-BR" smtClean="0"/>
+              <a:rPr lang="pt-BR"/>
               <a:t>Editar estilos de texto Mestre</a:t>
             </a:r>
           </a:p>
@@ -1557,38 +1549,37 @@
           <a:p>
             <a:pPr lvl="0"/>
             <a:r>
-              <a:rPr lang="pt-BR" smtClean="0"/>
+              <a:rPr lang="pt-BR"/>
               <a:t>Editar estilos de texto Mestre</a:t>
             </a:r>
           </a:p>
           <a:p>
             <a:pPr lvl="1"/>
             <a:r>
-              <a:rPr lang="pt-BR" smtClean="0"/>
+              <a:rPr lang="pt-BR"/>
               <a:t>Segundo nível</a:t>
             </a:r>
           </a:p>
           <a:p>
             <a:pPr lvl="2"/>
             <a:r>
-              <a:rPr lang="pt-BR" smtClean="0"/>
+              <a:rPr lang="pt-BR"/>
               <a:t>Terceiro nível</a:t>
             </a:r>
           </a:p>
           <a:p>
             <a:pPr lvl="3"/>
             <a:r>
-              <a:rPr lang="pt-BR" smtClean="0"/>
+              <a:rPr lang="pt-BR"/>
               <a:t>Quarto nível</a:t>
             </a:r>
           </a:p>
           <a:p>
             <a:pPr lvl="4"/>
             <a:r>
-              <a:rPr lang="pt-BR" smtClean="0"/>
+              <a:rPr lang="pt-BR"/>
               <a:t>Quinto nível</a:t>
             </a:r>
-            <a:endParaRPr lang="pt-BR"/>
           </a:p>
         </p:txBody>
       </p:sp>
@@ -1609,7 +1600,7 @@
           <a:p>
             <a:fld id="{A0C22A0B-7C0E-4745-8B8E-FB6EA55E6F93}" type="datetimeFigureOut">
               <a:rPr lang="pt-BR" smtClean="0"/>
-              <a:t>07/12/2021</a:t>
+              <a:t>26/08/2023</a:t>
             </a:fld>
             <a:endParaRPr lang="pt-BR"/>
           </a:p>
@@ -1703,10 +1694,9 @@
           <a:lstStyle/>
           <a:p>
             <a:r>
-              <a:rPr lang="pt-BR" smtClean="0"/>
+              <a:rPr lang="pt-BR"/>
               <a:t>Clique para editar o título mestre</a:t>
             </a:r>
-            <a:endParaRPr lang="pt-BR"/>
           </a:p>
         </p:txBody>
       </p:sp>
@@ -1727,7 +1717,7 @@
           <a:p>
             <a:fld id="{A0C22A0B-7C0E-4745-8B8E-FB6EA55E6F93}" type="datetimeFigureOut">
               <a:rPr lang="pt-BR" smtClean="0"/>
-              <a:t>07/12/2021</a:t>
+              <a:t>26/08/2023</a:t>
             </a:fld>
             <a:endParaRPr lang="pt-BR"/>
           </a:p>
@@ -1822,7 +1812,7 @@
           <a:p>
             <a:fld id="{A0C22A0B-7C0E-4745-8B8E-FB6EA55E6F93}" type="datetimeFigureOut">
               <a:rPr lang="pt-BR" smtClean="0"/>
-              <a:t>07/12/2021</a:t>
+              <a:t>26/08/2023</a:t>
             </a:fld>
             <a:endParaRPr lang="pt-BR"/>
           </a:p>
@@ -1925,10 +1915,9 @@
           </a:lstStyle>
           <a:p>
             <a:r>
-              <a:rPr lang="pt-BR" smtClean="0"/>
+              <a:rPr lang="pt-BR"/>
               <a:t>Clique para editar o título mestre</a:t>
             </a:r>
-            <a:endParaRPr lang="pt-BR"/>
           </a:p>
         </p:txBody>
       </p:sp>
@@ -1982,38 +1971,37 @@
           <a:p>
             <a:pPr lvl="0"/>
             <a:r>
-              <a:rPr lang="pt-BR" smtClean="0"/>
+              <a:rPr lang="pt-BR"/>
               <a:t>Editar estilos de texto Mestre</a:t>
             </a:r>
           </a:p>
           <a:p>
             <a:pPr lvl="1"/>
             <a:r>
-              <a:rPr lang="pt-BR" smtClean="0"/>
+              <a:rPr lang="pt-BR"/>
               <a:t>Segundo nível</a:t>
             </a:r>
           </a:p>
           <a:p>
             <a:pPr lvl="2"/>
             <a:r>
-              <a:rPr lang="pt-BR" smtClean="0"/>
+              <a:rPr lang="pt-BR"/>
               <a:t>Terceiro nível</a:t>
             </a:r>
           </a:p>
           <a:p>
             <a:pPr lvl="3"/>
             <a:r>
-              <a:rPr lang="pt-BR" smtClean="0"/>
+              <a:rPr lang="pt-BR"/>
               <a:t>Quarto nível</a:t>
             </a:r>
           </a:p>
           <a:p>
             <a:pPr lvl="4"/>
             <a:r>
-              <a:rPr lang="pt-BR" smtClean="0"/>
+              <a:rPr lang="pt-BR"/>
               <a:t>Quinto nível</a:t>
             </a:r>
-            <a:endParaRPr lang="pt-BR"/>
           </a:p>
         </p:txBody>
       </p:sp>
@@ -2076,7 +2064,7 @@
           <a:p>
             <a:pPr lvl="0"/>
             <a:r>
-              <a:rPr lang="pt-BR" smtClean="0"/>
+              <a:rPr lang="pt-BR"/>
               <a:t>Editar estilos de texto Mestre</a:t>
             </a:r>
           </a:p>
@@ -2099,7 +2087,7 @@
           <a:p>
             <a:fld id="{A0C22A0B-7C0E-4745-8B8E-FB6EA55E6F93}" type="datetimeFigureOut">
               <a:rPr lang="pt-BR" smtClean="0"/>
-              <a:t>07/12/2021</a:t>
+              <a:t>26/08/2023</a:t>
             </a:fld>
             <a:endParaRPr lang="pt-BR"/>
           </a:p>
@@ -2202,10 +2190,9 @@
           </a:lstStyle>
           <a:p>
             <a:r>
-              <a:rPr lang="pt-BR" smtClean="0"/>
+              <a:rPr lang="pt-BR"/>
               <a:t>Clique para editar o título mestre</a:t>
             </a:r>
-            <a:endParaRPr lang="pt-BR"/>
           </a:p>
         </p:txBody>
       </p:sp>
@@ -2329,7 +2316,7 @@
           <a:p>
             <a:pPr lvl="0"/>
             <a:r>
-              <a:rPr lang="pt-BR" smtClean="0"/>
+              <a:rPr lang="pt-BR"/>
               <a:t>Editar estilos de texto Mestre</a:t>
             </a:r>
           </a:p>
@@ -2352,7 +2339,7 @@
           <a:p>
             <a:fld id="{A0C22A0B-7C0E-4745-8B8E-FB6EA55E6F93}" type="datetimeFigureOut">
               <a:rPr lang="pt-BR" smtClean="0"/>
-              <a:t>07/12/2021</a:t>
+              <a:t>26/08/2023</a:t>
             </a:fld>
             <a:endParaRPr lang="pt-BR"/>
           </a:p>
@@ -2461,10 +2448,9 @@
           <a:lstStyle/>
           <a:p>
             <a:r>
-              <a:rPr lang="pt-BR" smtClean="0"/>
+              <a:rPr lang="pt-BR"/>
               <a:t>Clique para editar o título mestre</a:t>
             </a:r>
-            <a:endParaRPr lang="pt-BR"/>
           </a:p>
         </p:txBody>
       </p:sp>
@@ -2495,38 +2481,37 @@
           <a:p>
             <a:pPr lvl="0"/>
             <a:r>
-              <a:rPr lang="pt-BR" smtClean="0"/>
+              <a:rPr lang="pt-BR"/>
               <a:t>Editar estilos de texto Mestre</a:t>
             </a:r>
           </a:p>
           <a:p>
             <a:pPr lvl="1"/>
             <a:r>
-              <a:rPr lang="pt-BR" smtClean="0"/>
+              <a:rPr lang="pt-BR"/>
               <a:t>Segundo nível</a:t>
             </a:r>
           </a:p>
           <a:p>
             <a:pPr lvl="2"/>
             <a:r>
-              <a:rPr lang="pt-BR" smtClean="0"/>
+              <a:rPr lang="pt-BR"/>
               <a:t>Terceiro nível</a:t>
             </a:r>
           </a:p>
           <a:p>
             <a:pPr lvl="3"/>
             <a:r>
-              <a:rPr lang="pt-BR" smtClean="0"/>
+              <a:rPr lang="pt-BR"/>
               <a:t>Quarto nível</a:t>
             </a:r>
           </a:p>
           <a:p>
             <a:pPr lvl="4"/>
             <a:r>
-              <a:rPr lang="pt-BR" smtClean="0"/>
+              <a:rPr lang="pt-BR"/>
               <a:t>Quinto nível</a:t>
             </a:r>
-            <a:endParaRPr lang="pt-BR"/>
           </a:p>
         </p:txBody>
       </p:sp>
@@ -2565,7 +2550,7 @@
           <a:p>
             <a:fld id="{A0C22A0B-7C0E-4745-8B8E-FB6EA55E6F93}" type="datetimeFigureOut">
               <a:rPr lang="pt-BR" smtClean="0"/>
-              <a:t>07/12/2021</a:t>
+              <a:t>26/08/2023</a:t>
             </a:fld>
             <a:endParaRPr lang="pt-BR"/>
           </a:p>
@@ -2988,14 +2973,11 @@
           <a:lstStyle/>
           <a:p>
             <a:r>
-              <a:rPr lang="pt-BR" sz="7200" b="1" dirty="0" smtClean="0">
+              <a:rPr lang="pt-BR" sz="7200" b="1" dirty="0">
                 <a:latin typeface="Arial Black" panose="020B0A04020102020204" pitchFamily="34" charset="0"/>
               </a:rPr>
               <a:t>SANTO ESPIRITO</a:t>
             </a:r>
-            <a:endParaRPr lang="pt-BR" sz="7200" b="1" dirty="0">
-              <a:latin typeface="Arial Black" panose="020B0A04020102020204" pitchFamily="34" charset="0"/>
-            </a:endParaRPr>
           </a:p>
         </p:txBody>
       </p:sp>
@@ -3017,14 +2999,11 @@
           <a:lstStyle/>
           <a:p>
             <a:r>
-              <a:rPr lang="pt-BR" sz="5400" b="1" dirty="0" smtClean="0">
+              <a:rPr lang="pt-BR" sz="5400" b="1" dirty="0">
                 <a:latin typeface="Arial Black" panose="020B0A04020102020204" pitchFamily="34" charset="0"/>
               </a:rPr>
               <a:t>LAURA  SOUGUELLIS</a:t>
             </a:r>
-            <a:endParaRPr lang="pt-BR" sz="5400" b="1" dirty="0">
-              <a:latin typeface="Arial Black" panose="020B0A04020102020204" pitchFamily="34" charset="0"/>
-            </a:endParaRPr>
           </a:p>
         </p:txBody>
       </p:sp>
@@ -3080,7 +3059,7 @@
           <a:lstStyle/>
           <a:p>
             <a:r>
-              <a:rPr lang="pt-BR" sz="4800" b="1" dirty="0" smtClean="0">
+              <a:rPr lang="pt-BR" sz="4800" b="1" dirty="0">
                 <a:latin typeface="Arial Black" panose="020B0A04020102020204" pitchFamily="34" charset="0"/>
               </a:rPr>
               <a:t>SANTO ESPÍRITO, ÉS BEM-VINDO AQUI</a:t>
@@ -3088,7 +3067,7 @@
           </a:p>
           <a:p>
             <a:r>
-              <a:rPr lang="pt-BR" sz="4800" b="1" dirty="0" smtClean="0">
+              <a:rPr lang="pt-BR" sz="4800" b="1" dirty="0">
                 <a:latin typeface="Arial Black" panose="020B0A04020102020204" pitchFamily="34" charset="0"/>
               </a:rPr>
               <a:t>VEM INUNDAR, ENCHER ESSE LUGAR</a:t>
@@ -3096,7 +3075,7 @@
           </a:p>
           <a:p>
             <a:r>
-              <a:rPr lang="pt-BR" sz="4800" b="1" dirty="0" smtClean="0">
+              <a:rPr lang="pt-BR" sz="4800" b="1" dirty="0">
                 <a:latin typeface="Arial Black" panose="020B0A04020102020204" pitchFamily="34" charset="0"/>
               </a:rPr>
               <a:t>É O DESEJO DO MEU CORAÇÃO</a:t>
@@ -3104,14 +3083,11 @@
           </a:p>
           <a:p>
             <a:r>
-              <a:rPr lang="pt-BR" sz="4800" b="1" dirty="0" smtClean="0">
+              <a:rPr lang="pt-BR" sz="4800" b="1" dirty="0">
                 <a:latin typeface="Arial Black" panose="020B0A04020102020204" pitchFamily="34" charset="0"/>
               </a:rPr>
               <a:t>SERMOS INUNDADOS POR TUA GLÓRIA, SENHOR</a:t>
             </a:r>
-            <a:endParaRPr lang="pt-BR" sz="4800" b="1" dirty="0">
-              <a:latin typeface="Arial Black" panose="020B0A04020102020204" pitchFamily="34" charset="0"/>
-            </a:endParaRPr>
           </a:p>
         </p:txBody>
       </p:sp>
@@ -3153,7 +3129,7 @@
         </p:nvSpPr>
         <p:spPr>
           <a:xfrm>
-            <a:off x="660400" y="503535"/>
+            <a:off x="584200" y="0"/>
             <a:ext cx="11023600" cy="6740307"/>
           </a:xfrm>
           <a:prstGeom prst="rect">
@@ -3167,7 +3143,7 @@
           <a:lstStyle/>
           <a:p>
             <a:r>
-              <a:rPr lang="pt-BR" sz="5400" b="1" dirty="0" smtClean="0">
+              <a:rPr lang="pt-BR" sz="5400" b="1" dirty="0">
                 <a:latin typeface="Arial Black" panose="020B0A04020102020204" pitchFamily="34" charset="0"/>
               </a:rPr>
               <a:t>SANTO ESPÍRITO, ÉS BEM-VINDO AQUI</a:t>
@@ -3175,7 +3151,7 @@
           </a:p>
           <a:p>
             <a:r>
-              <a:rPr lang="pt-BR" sz="5400" b="1" dirty="0" smtClean="0">
+              <a:rPr lang="pt-BR" sz="5400" b="1" dirty="0">
                 <a:latin typeface="Arial Black" panose="020B0A04020102020204" pitchFamily="34" charset="0"/>
               </a:rPr>
               <a:t>VEM INUNDAR, ENCHER ESSE LUGAR</a:t>
@@ -3183,7 +3159,7 @@
           </a:p>
           <a:p>
             <a:r>
-              <a:rPr lang="pt-BR" sz="5400" b="1" dirty="0" smtClean="0">
+              <a:rPr lang="pt-BR" sz="5400" b="1" dirty="0">
                 <a:latin typeface="Arial Black" panose="020B0A04020102020204" pitchFamily="34" charset="0"/>
               </a:rPr>
               <a:t>É O DESEJO DO MEU CORAÇÃO</a:t>
@@ -3191,14 +3167,11 @@
           </a:p>
           <a:p>
             <a:r>
-              <a:rPr lang="pt-BR" sz="5400" b="1" dirty="0" smtClean="0">
+              <a:rPr lang="pt-BR" sz="5400" b="1" dirty="0">
                 <a:latin typeface="Arial Black" panose="020B0A04020102020204" pitchFamily="34" charset="0"/>
               </a:rPr>
               <a:t>SERMOS INUNDADOS POR TUA GLÓRIA, SENHOR</a:t>
             </a:r>
-            <a:endParaRPr lang="pt-BR" sz="5400" b="1" dirty="0">
-              <a:latin typeface="Arial Black" panose="020B0A04020102020204" pitchFamily="34" charset="0"/>
-            </a:endParaRPr>
           </a:p>
         </p:txBody>
       </p:sp>
@@ -3254,7 +3227,7 @@
           <a:lstStyle/>
           <a:p>
             <a:r>
-              <a:rPr lang="pt-BR" sz="6600" b="1" dirty="0" smtClean="0">
+              <a:rPr lang="pt-BR" sz="6600" b="1" dirty="0">
                 <a:latin typeface="Arial Black" panose="020B0A04020102020204" pitchFamily="34" charset="0"/>
               </a:rPr>
               <a:t>NÃO HÁ NADA IGUAL</a:t>
@@ -3262,7 +3235,7 @@
           </a:p>
           <a:p>
             <a:r>
-              <a:rPr lang="pt-BR" sz="6600" b="1" dirty="0" smtClean="0">
+              <a:rPr lang="pt-BR" sz="6600" b="1" dirty="0">
                 <a:latin typeface="Arial Black" panose="020B0A04020102020204" pitchFamily="34" charset="0"/>
               </a:rPr>
               <a:t>NÃO HÁ NADA MELHOR</a:t>
@@ -3270,7 +3243,7 @@
           </a:p>
           <a:p>
             <a:r>
-              <a:rPr lang="pt-BR" sz="6600" b="1" dirty="0" smtClean="0">
+              <a:rPr lang="pt-BR" sz="6600" b="1" dirty="0">
                 <a:latin typeface="Arial Black" panose="020B0A04020102020204" pitchFamily="34" charset="0"/>
               </a:rPr>
               <a:t>A QUE SE COMPARA À ESPERANÇA VIVA</a:t>
@@ -3278,14 +3251,11 @@
           </a:p>
           <a:p>
             <a:r>
-              <a:rPr lang="pt-BR" sz="6600" b="1" dirty="0" smtClean="0">
+              <a:rPr lang="pt-BR" sz="6600" b="1" dirty="0">
                 <a:latin typeface="Arial Black" panose="020B0A04020102020204" pitchFamily="34" charset="0"/>
               </a:rPr>
               <a:t>TUA PRESENÇA</a:t>
             </a:r>
-            <a:endParaRPr lang="pt-BR" sz="6600" b="1" dirty="0">
-              <a:latin typeface="Arial Black" panose="020B0A04020102020204" pitchFamily="34" charset="0"/>
-            </a:endParaRPr>
           </a:p>
         </p:txBody>
       </p:sp>
@@ -3341,7 +3311,7 @@
           <a:lstStyle/>
           <a:p>
             <a:r>
-              <a:rPr lang="pt-BR" sz="6000" b="1" dirty="0" smtClean="0">
+              <a:rPr lang="pt-BR" sz="6000" b="1" dirty="0">
                 <a:latin typeface="Arial Black" panose="020B0A04020102020204" pitchFamily="34" charset="0"/>
               </a:rPr>
               <a:t>EU PROVEI E VI</a:t>
@@ -3349,7 +3319,7 @@
           </a:p>
           <a:p>
             <a:r>
-              <a:rPr lang="pt-BR" sz="6000" b="1" dirty="0" smtClean="0">
+              <a:rPr lang="pt-BR" sz="6000" b="1" dirty="0">
                 <a:latin typeface="Arial Black" panose="020B0A04020102020204" pitchFamily="34" charset="0"/>
               </a:rPr>
               <a:t>O MAIS DOCE AMOR</a:t>
@@ -3357,7 +3327,7 @@
           </a:p>
           <a:p>
             <a:r>
-              <a:rPr lang="pt-BR" sz="6000" b="1" dirty="0" smtClean="0">
+              <a:rPr lang="pt-BR" sz="6000" b="1" dirty="0">
                 <a:latin typeface="Arial Black" panose="020B0A04020102020204" pitchFamily="34" charset="0"/>
               </a:rPr>
               <a:t>QUE LIBERTA O MEU SER</a:t>
@@ -3365,7 +3335,7 @@
           </a:p>
           <a:p>
             <a:r>
-              <a:rPr lang="pt-BR" sz="6000" b="1" dirty="0" smtClean="0">
+              <a:rPr lang="pt-BR" sz="6000" b="1" dirty="0">
                 <a:latin typeface="Arial Black" panose="020B0A04020102020204" pitchFamily="34" charset="0"/>
               </a:rPr>
               <a:t>E A VERGONHA DESFAZ</a:t>
@@ -3373,14 +3343,11 @@
           </a:p>
           <a:p>
             <a:r>
-              <a:rPr lang="pt-BR" sz="6000" b="1" dirty="0" smtClean="0">
+              <a:rPr lang="pt-BR" sz="6000" b="1" dirty="0">
                 <a:latin typeface="Arial Black" panose="020B0A04020102020204" pitchFamily="34" charset="0"/>
               </a:rPr>
               <a:t>TUA PRESENÇA</a:t>
             </a:r>
-            <a:endParaRPr lang="pt-BR" sz="6000" b="1" dirty="0">
-              <a:latin typeface="Arial Black" panose="020B0A04020102020204" pitchFamily="34" charset="0"/>
-            </a:endParaRPr>
           </a:p>
         </p:txBody>
       </p:sp>
@@ -3436,7 +3403,7 @@
           <a:lstStyle/>
           <a:p>
             <a:r>
-              <a:rPr lang="pt-BR" sz="4800" b="1" dirty="0" smtClean="0">
+              <a:rPr lang="pt-BR" sz="4800" b="1" dirty="0">
                 <a:latin typeface="Arial Black" panose="020B0A04020102020204" pitchFamily="34" charset="0"/>
               </a:rPr>
               <a:t>SANTO ESPÍRITO, ÉS BEM-VINDO AQUI</a:t>
@@ -3444,7 +3411,7 @@
           </a:p>
           <a:p>
             <a:r>
-              <a:rPr lang="pt-BR" sz="4800" b="1" dirty="0" smtClean="0">
+              <a:rPr lang="pt-BR" sz="4800" b="1" dirty="0">
                 <a:latin typeface="Arial Black" panose="020B0A04020102020204" pitchFamily="34" charset="0"/>
               </a:rPr>
               <a:t>VEM INUNDAR, ENCHER ESSE LUGAR</a:t>
@@ -3452,7 +3419,7 @@
           </a:p>
           <a:p>
             <a:r>
-              <a:rPr lang="pt-BR" sz="4800" b="1" dirty="0" smtClean="0">
+              <a:rPr lang="pt-BR" sz="4800" b="1" dirty="0">
                 <a:latin typeface="Arial Black" panose="020B0A04020102020204" pitchFamily="34" charset="0"/>
               </a:rPr>
               <a:t>É O DESEJO DO MEU CORAÇÃO</a:t>
@@ -3460,7 +3427,7 @@
           </a:p>
           <a:p>
             <a:r>
-              <a:rPr lang="pt-BR" sz="4800" b="1" dirty="0" smtClean="0">
+              <a:rPr lang="pt-BR" sz="4800" b="1" dirty="0">
                 <a:latin typeface="Arial Black" panose="020B0A04020102020204" pitchFamily="34" charset="0"/>
               </a:rPr>
               <a:t>SERMOS INUNDADOS</a:t>
@@ -3468,14 +3435,11 @@
           </a:p>
           <a:p>
             <a:r>
-              <a:rPr lang="pt-BR" sz="4800" b="1" dirty="0" smtClean="0">
+              <a:rPr lang="pt-BR" sz="4800" b="1" dirty="0">
                 <a:latin typeface="Arial Black" panose="020B0A04020102020204" pitchFamily="34" charset="0"/>
               </a:rPr>
               <a:t> POR TUA GLÓRIA, SENHOR</a:t>
             </a:r>
-            <a:endParaRPr lang="pt-BR" sz="4800" b="1" dirty="0">
-              <a:latin typeface="Arial Black" panose="020B0A04020102020204" pitchFamily="34" charset="0"/>
-            </a:endParaRPr>
           </a:p>
         </p:txBody>
       </p:sp>
@@ -3531,7 +3495,7 @@
           <a:lstStyle/>
           <a:p>
             <a:r>
-              <a:rPr lang="pt-BR" sz="5400" b="1" dirty="0" smtClean="0">
+              <a:rPr lang="pt-BR" sz="5400" b="1" dirty="0">
                 <a:latin typeface="Arial Black" panose="020B0A04020102020204" pitchFamily="34" charset="0"/>
               </a:rPr>
               <a:t>SANTO ESPÍRITO, ÉS BEM-VINDO AQUI</a:t>
@@ -3539,7 +3503,7 @@
           </a:p>
           <a:p>
             <a:r>
-              <a:rPr lang="pt-BR" sz="5400" b="1" dirty="0" smtClean="0">
+              <a:rPr lang="pt-BR" sz="5400" b="1" dirty="0">
                 <a:latin typeface="Arial Black" panose="020B0A04020102020204" pitchFamily="34" charset="0"/>
               </a:rPr>
               <a:t>VEM INUNDAR, ENCHER ESSE LUGAR</a:t>
@@ -3547,7 +3511,7 @@
           </a:p>
           <a:p>
             <a:r>
-              <a:rPr lang="pt-BR" sz="5400" b="1" dirty="0" smtClean="0">
+              <a:rPr lang="pt-BR" sz="5400" b="1" dirty="0">
                 <a:latin typeface="Arial Black" panose="020B0A04020102020204" pitchFamily="34" charset="0"/>
               </a:rPr>
               <a:t>É O DESEJO DO MEU CORAÇÃO</a:t>
@@ -3555,14 +3519,11 @@
           </a:p>
           <a:p>
             <a:r>
-              <a:rPr lang="pt-BR" sz="5400" b="1" dirty="0" smtClean="0">
+              <a:rPr lang="pt-BR" sz="5400" b="1" dirty="0">
                 <a:latin typeface="Arial Black" panose="020B0A04020102020204" pitchFamily="34" charset="0"/>
               </a:rPr>
               <a:t>SERMOS INUNDADOS POR TUA GLÓRIA, SENHOR</a:t>
             </a:r>
-            <a:endParaRPr lang="pt-BR" sz="5400" b="1" dirty="0">
-              <a:latin typeface="Arial Black" panose="020B0A04020102020204" pitchFamily="34" charset="0"/>
-            </a:endParaRPr>
           </a:p>
         </p:txBody>
       </p:sp>
@@ -3570,6 +3531,93 @@
     <p:extLst>
       <p:ext uri="{BB962C8B-B14F-4D97-AF65-F5344CB8AC3E}">
         <p14:creationId xmlns:p14="http://schemas.microsoft.com/office/powerpoint/2010/main" val="3588965166"/>
+      </p:ext>
+    </p:extLst>
+  </p:cSld>
+  <p:clrMapOvr>
+    <a:masterClrMapping/>
+  </p:clrMapOvr>
+</p:sld>
+</file>
+
+<file path=ppt/slides/slide8.xml><?xml version="1.0" encoding="utf-8"?>
+<p:sld xmlns:a="http://schemas.openxmlformats.org/drawingml/2006/main" xmlns:r="http://schemas.openxmlformats.org/officeDocument/2006/relationships" xmlns:p="http://schemas.openxmlformats.org/presentationml/2006/main">
+  <p:cSld>
+    <p:spTree>
+      <p:nvGrpSpPr>
+        <p:cNvPr id="1" name=""/>
+        <p:cNvGrpSpPr/>
+        <p:nvPr/>
+      </p:nvGrpSpPr>
+      <p:grpSpPr>
+        <a:xfrm>
+          <a:off x="0" y="0"/>
+          <a:ext cx="0" cy="0"/>
+          <a:chOff x="0" y="0"/>
+          <a:chExt cx="0" cy="0"/>
+        </a:xfrm>
+      </p:grpSpPr>
+      <p:sp>
+        <p:nvSpPr>
+          <p:cNvPr id="2" name="Título 1">
+            <a:extLst>
+              <a:ext uri="{FF2B5EF4-FFF2-40B4-BE49-F238E27FC236}">
+                <a16:creationId xmlns:a16="http://schemas.microsoft.com/office/drawing/2014/main" id="{30AC7EC4-6190-187E-62B7-CC5F7C85D8B9}"/>
+              </a:ext>
+            </a:extLst>
+          </p:cNvPr>
+          <p:cNvSpPr>
+            <a:spLocks noGrp="1"/>
+          </p:cNvSpPr>
+          <p:nvPr>
+            <p:ph type="title"/>
+          </p:nvPr>
+        </p:nvSpPr>
+        <p:spPr>
+          <a:xfrm>
+            <a:off x="1008529" y="2695949"/>
+            <a:ext cx="10515600" cy="1325563"/>
+          </a:xfrm>
+        </p:spPr>
+        <p:txBody>
+          <a:bodyPr>
+            <a:noAutofit/>
+          </a:bodyPr>
+          <a:lstStyle/>
+          <a:p>
+            <a:r>
+              <a:rPr lang="pt-BR" sz="6600" dirty="0">
+                <a:latin typeface="Arial Black" panose="020B0A04020102020204" pitchFamily="34" charset="0"/>
+              </a:rPr>
+              <a:t>VAMOS PROVAR O QUÃO REAL É TUA PRESENÇA</a:t>
+            </a:r>
+            <a:br>
+              <a:rPr lang="pt-BR" sz="6600" dirty="0">
+                <a:latin typeface="Arial Black" panose="020B0A04020102020204" pitchFamily="34" charset="0"/>
+              </a:rPr>
+            </a:br>
+            <a:r>
+              <a:rPr lang="pt-BR" sz="6600" dirty="0">
+                <a:latin typeface="Arial Black" panose="020B0A04020102020204" pitchFamily="34" charset="0"/>
+              </a:rPr>
+              <a:t>VAMOS PROVAR A TUA GLÓRIA </a:t>
+            </a:r>
+            <a:r>
+              <a:rPr lang="pt-BR" sz="6600">
+                <a:latin typeface="Arial Black" panose="020B0A04020102020204" pitchFamily="34" charset="0"/>
+              </a:rPr>
+              <a:t>E BONDADE</a:t>
+            </a:r>
+            <a:endParaRPr lang="pt-BR" sz="6600" dirty="0">
+              <a:latin typeface="Arial Black" panose="020B0A04020102020204" pitchFamily="34" charset="0"/>
+            </a:endParaRPr>
+          </a:p>
+        </p:txBody>
+      </p:sp>
+    </p:spTree>
+    <p:extLst>
+      <p:ext uri="{BB962C8B-B14F-4D97-AF65-F5344CB8AC3E}">
+        <p14:creationId xmlns:p14="http://schemas.microsoft.com/office/powerpoint/2010/main" val="1897900168"/>
       </p:ext>
     </p:extLst>
   </p:cSld>

--- a/SANTO ESPIRITO.pptx
+++ b/SANTO ESPIRITO.pptx
@@ -12,7 +12,6 @@
     <p:sldId id="261" r:id="rId6"/>
     <p:sldId id="262" r:id="rId7"/>
     <p:sldId id="263" r:id="rId8"/>
-    <p:sldId id="265" r:id="rId9"/>
   </p:sldIdLst>
   <p:sldSz cx="12192000" cy="6858000"/>
   <p:notesSz cx="6858000" cy="9144000"/>
@@ -111,11 +110,6 @@
       </a:defRPr>
     </a:lvl9pPr>
   </p:defaultTextStyle>
-  <p:extLst>
-    <p:ext uri="{EFAFB233-063F-42B5-8137-9DF3F51BA10A}">
-      <p15:sldGuideLst xmlns:p15="http://schemas.microsoft.com/office/powerpoint/2012/main"/>
-    </p:ext>
-  </p:extLst>
 </p:presentation>
 </file>
 
@@ -161,9 +155,10 @@
           </a:lstStyle>
           <a:p>
             <a:r>
-              <a:rPr lang="pt-BR"/>
+              <a:rPr lang="pt-BR" smtClean="0"/>
               <a:t>Clique para editar o título mestre</a:t>
             </a:r>
+            <a:endParaRPr lang="pt-BR"/>
           </a:p>
         </p:txBody>
       </p:sp>
@@ -225,9 +220,10 @@
           </a:lstStyle>
           <a:p>
             <a:r>
-              <a:rPr lang="pt-BR"/>
+              <a:rPr lang="pt-BR" smtClean="0"/>
               <a:t>Clique para editar o estilo do subtítulo Mestre</a:t>
             </a:r>
+            <a:endParaRPr lang="pt-BR"/>
           </a:p>
         </p:txBody>
       </p:sp>
@@ -248,7 +244,7 @@
           <a:p>
             <a:fld id="{A0C22A0B-7C0E-4745-8B8E-FB6EA55E6F93}" type="datetimeFigureOut">
               <a:rPr lang="pt-BR" smtClean="0"/>
-              <a:t>26/08/2023</a:t>
+              <a:t>07/12/2021</a:t>
             </a:fld>
             <a:endParaRPr lang="pt-BR"/>
           </a:p>
@@ -342,9 +338,10 @@
           <a:lstStyle/>
           <a:p>
             <a:r>
-              <a:rPr lang="pt-BR"/>
+              <a:rPr lang="pt-BR" smtClean="0"/>
               <a:t>Clique para editar o título mestre</a:t>
             </a:r>
+            <a:endParaRPr lang="pt-BR"/>
           </a:p>
         </p:txBody>
       </p:sp>
@@ -365,37 +362,38 @@
           <a:p>
             <a:pPr lvl="0"/>
             <a:r>
-              <a:rPr lang="pt-BR"/>
+              <a:rPr lang="pt-BR" smtClean="0"/>
               <a:t>Editar estilos de texto Mestre</a:t>
             </a:r>
           </a:p>
           <a:p>
             <a:pPr lvl="1"/>
             <a:r>
-              <a:rPr lang="pt-BR"/>
+              <a:rPr lang="pt-BR" smtClean="0"/>
               <a:t>Segundo nível</a:t>
             </a:r>
           </a:p>
           <a:p>
             <a:pPr lvl="2"/>
             <a:r>
-              <a:rPr lang="pt-BR"/>
+              <a:rPr lang="pt-BR" smtClean="0"/>
               <a:t>Terceiro nível</a:t>
             </a:r>
           </a:p>
           <a:p>
             <a:pPr lvl="3"/>
             <a:r>
-              <a:rPr lang="pt-BR"/>
+              <a:rPr lang="pt-BR" smtClean="0"/>
               <a:t>Quarto nível</a:t>
             </a:r>
           </a:p>
           <a:p>
             <a:pPr lvl="4"/>
             <a:r>
-              <a:rPr lang="pt-BR"/>
+              <a:rPr lang="pt-BR" smtClean="0"/>
               <a:t>Quinto nível</a:t>
             </a:r>
+            <a:endParaRPr lang="pt-BR"/>
           </a:p>
         </p:txBody>
       </p:sp>
@@ -416,7 +414,7 @@
           <a:p>
             <a:fld id="{A0C22A0B-7C0E-4745-8B8E-FB6EA55E6F93}" type="datetimeFigureOut">
               <a:rPr lang="pt-BR" smtClean="0"/>
-              <a:t>26/08/2023</a:t>
+              <a:t>07/12/2021</a:t>
             </a:fld>
             <a:endParaRPr lang="pt-BR"/>
           </a:p>
@@ -515,9 +513,10 @@
           <a:lstStyle/>
           <a:p>
             <a:r>
-              <a:rPr lang="pt-BR"/>
+              <a:rPr lang="pt-BR" smtClean="0"/>
               <a:t>Clique para editar o título mestre</a:t>
             </a:r>
+            <a:endParaRPr lang="pt-BR"/>
           </a:p>
         </p:txBody>
       </p:sp>
@@ -543,37 +542,38 @@
           <a:p>
             <a:pPr lvl="0"/>
             <a:r>
-              <a:rPr lang="pt-BR"/>
+              <a:rPr lang="pt-BR" smtClean="0"/>
               <a:t>Editar estilos de texto Mestre</a:t>
             </a:r>
           </a:p>
           <a:p>
             <a:pPr lvl="1"/>
             <a:r>
-              <a:rPr lang="pt-BR"/>
+              <a:rPr lang="pt-BR" smtClean="0"/>
               <a:t>Segundo nível</a:t>
             </a:r>
           </a:p>
           <a:p>
             <a:pPr lvl="2"/>
             <a:r>
-              <a:rPr lang="pt-BR"/>
+              <a:rPr lang="pt-BR" smtClean="0"/>
               <a:t>Terceiro nível</a:t>
             </a:r>
           </a:p>
           <a:p>
             <a:pPr lvl="3"/>
             <a:r>
-              <a:rPr lang="pt-BR"/>
+              <a:rPr lang="pt-BR" smtClean="0"/>
               <a:t>Quarto nível</a:t>
             </a:r>
           </a:p>
           <a:p>
             <a:pPr lvl="4"/>
             <a:r>
-              <a:rPr lang="pt-BR"/>
+              <a:rPr lang="pt-BR" smtClean="0"/>
               <a:t>Quinto nível</a:t>
             </a:r>
+            <a:endParaRPr lang="pt-BR"/>
           </a:p>
         </p:txBody>
       </p:sp>
@@ -594,7 +594,7 @@
           <a:p>
             <a:fld id="{A0C22A0B-7C0E-4745-8B8E-FB6EA55E6F93}" type="datetimeFigureOut">
               <a:rPr lang="pt-BR" smtClean="0"/>
-              <a:t>26/08/2023</a:t>
+              <a:t>07/12/2021</a:t>
             </a:fld>
             <a:endParaRPr lang="pt-BR"/>
           </a:p>
@@ -688,9 +688,10 @@
           <a:lstStyle/>
           <a:p>
             <a:r>
-              <a:rPr lang="pt-BR"/>
+              <a:rPr lang="pt-BR" smtClean="0"/>
               <a:t>Clique para editar o título mestre</a:t>
             </a:r>
+            <a:endParaRPr lang="pt-BR"/>
           </a:p>
         </p:txBody>
       </p:sp>
@@ -711,37 +712,38 @@
           <a:p>
             <a:pPr lvl="0"/>
             <a:r>
-              <a:rPr lang="pt-BR"/>
+              <a:rPr lang="pt-BR" smtClean="0"/>
               <a:t>Editar estilos de texto Mestre</a:t>
             </a:r>
           </a:p>
           <a:p>
             <a:pPr lvl="1"/>
             <a:r>
-              <a:rPr lang="pt-BR"/>
+              <a:rPr lang="pt-BR" smtClean="0"/>
               <a:t>Segundo nível</a:t>
             </a:r>
           </a:p>
           <a:p>
             <a:pPr lvl="2"/>
             <a:r>
-              <a:rPr lang="pt-BR"/>
+              <a:rPr lang="pt-BR" smtClean="0"/>
               <a:t>Terceiro nível</a:t>
             </a:r>
           </a:p>
           <a:p>
             <a:pPr lvl="3"/>
             <a:r>
-              <a:rPr lang="pt-BR"/>
+              <a:rPr lang="pt-BR" smtClean="0"/>
               <a:t>Quarto nível</a:t>
             </a:r>
           </a:p>
           <a:p>
             <a:pPr lvl="4"/>
             <a:r>
-              <a:rPr lang="pt-BR"/>
+              <a:rPr lang="pt-BR" smtClean="0"/>
               <a:t>Quinto nível</a:t>
             </a:r>
+            <a:endParaRPr lang="pt-BR"/>
           </a:p>
         </p:txBody>
       </p:sp>
@@ -762,7 +764,7 @@
           <a:p>
             <a:fld id="{A0C22A0B-7C0E-4745-8B8E-FB6EA55E6F93}" type="datetimeFigureOut">
               <a:rPr lang="pt-BR" smtClean="0"/>
-              <a:t>26/08/2023</a:t>
+              <a:t>07/12/2021</a:t>
             </a:fld>
             <a:endParaRPr lang="pt-BR"/>
           </a:p>
@@ -865,9 +867,10 @@
           </a:lstStyle>
           <a:p>
             <a:r>
-              <a:rPr lang="pt-BR"/>
+              <a:rPr lang="pt-BR" smtClean="0"/>
               <a:t>Clique para editar o título mestre</a:t>
             </a:r>
+            <a:endParaRPr lang="pt-BR"/>
           </a:p>
         </p:txBody>
       </p:sp>
@@ -984,7 +987,7 @@
           <a:p>
             <a:pPr lvl="0"/>
             <a:r>
-              <a:rPr lang="pt-BR"/>
+              <a:rPr lang="pt-BR" smtClean="0"/>
               <a:t>Editar estilos de texto Mestre</a:t>
             </a:r>
           </a:p>
@@ -1007,7 +1010,7 @@
           <a:p>
             <a:fld id="{A0C22A0B-7C0E-4745-8B8E-FB6EA55E6F93}" type="datetimeFigureOut">
               <a:rPr lang="pt-BR" smtClean="0"/>
-              <a:t>26/08/2023</a:t>
+              <a:t>07/12/2021</a:t>
             </a:fld>
             <a:endParaRPr lang="pt-BR"/>
           </a:p>
@@ -1101,9 +1104,10 @@
           <a:lstStyle/>
           <a:p>
             <a:r>
-              <a:rPr lang="pt-BR"/>
+              <a:rPr lang="pt-BR" smtClean="0"/>
               <a:t>Clique para editar o título mestre</a:t>
             </a:r>
+            <a:endParaRPr lang="pt-BR"/>
           </a:p>
         </p:txBody>
       </p:sp>
@@ -1129,37 +1133,38 @@
           <a:p>
             <a:pPr lvl="0"/>
             <a:r>
-              <a:rPr lang="pt-BR"/>
+              <a:rPr lang="pt-BR" smtClean="0"/>
               <a:t>Editar estilos de texto Mestre</a:t>
             </a:r>
           </a:p>
           <a:p>
             <a:pPr lvl="1"/>
             <a:r>
-              <a:rPr lang="pt-BR"/>
+              <a:rPr lang="pt-BR" smtClean="0"/>
               <a:t>Segundo nível</a:t>
             </a:r>
           </a:p>
           <a:p>
             <a:pPr lvl="2"/>
             <a:r>
-              <a:rPr lang="pt-BR"/>
+              <a:rPr lang="pt-BR" smtClean="0"/>
               <a:t>Terceiro nível</a:t>
             </a:r>
           </a:p>
           <a:p>
             <a:pPr lvl="3"/>
             <a:r>
-              <a:rPr lang="pt-BR"/>
+              <a:rPr lang="pt-BR" smtClean="0"/>
               <a:t>Quarto nível</a:t>
             </a:r>
           </a:p>
           <a:p>
             <a:pPr lvl="4"/>
             <a:r>
-              <a:rPr lang="pt-BR"/>
+              <a:rPr lang="pt-BR" smtClean="0"/>
               <a:t>Quinto nível</a:t>
             </a:r>
+            <a:endParaRPr lang="pt-BR"/>
           </a:p>
         </p:txBody>
       </p:sp>
@@ -1185,37 +1190,38 @@
           <a:p>
             <a:pPr lvl="0"/>
             <a:r>
-              <a:rPr lang="pt-BR"/>
+              <a:rPr lang="pt-BR" smtClean="0"/>
               <a:t>Editar estilos de texto Mestre</a:t>
             </a:r>
           </a:p>
           <a:p>
             <a:pPr lvl="1"/>
             <a:r>
-              <a:rPr lang="pt-BR"/>
+              <a:rPr lang="pt-BR" smtClean="0"/>
               <a:t>Segundo nível</a:t>
             </a:r>
           </a:p>
           <a:p>
             <a:pPr lvl="2"/>
             <a:r>
-              <a:rPr lang="pt-BR"/>
+              <a:rPr lang="pt-BR" smtClean="0"/>
               <a:t>Terceiro nível</a:t>
             </a:r>
           </a:p>
           <a:p>
             <a:pPr lvl="3"/>
             <a:r>
-              <a:rPr lang="pt-BR"/>
+              <a:rPr lang="pt-BR" smtClean="0"/>
               <a:t>Quarto nível</a:t>
             </a:r>
           </a:p>
           <a:p>
             <a:pPr lvl="4"/>
             <a:r>
-              <a:rPr lang="pt-BR"/>
+              <a:rPr lang="pt-BR" smtClean="0"/>
               <a:t>Quinto nível</a:t>
             </a:r>
+            <a:endParaRPr lang="pt-BR"/>
           </a:p>
         </p:txBody>
       </p:sp>
@@ -1236,7 +1242,7 @@
           <a:p>
             <a:fld id="{A0C22A0B-7C0E-4745-8B8E-FB6EA55E6F93}" type="datetimeFigureOut">
               <a:rPr lang="pt-BR" smtClean="0"/>
-              <a:t>26/08/2023</a:t>
+              <a:t>07/12/2021</a:t>
             </a:fld>
             <a:endParaRPr lang="pt-BR"/>
           </a:p>
@@ -1335,9 +1341,10 @@
           <a:lstStyle/>
           <a:p>
             <a:r>
-              <a:rPr lang="pt-BR"/>
+              <a:rPr lang="pt-BR" smtClean="0"/>
               <a:t>Clique para editar o título mestre</a:t>
             </a:r>
+            <a:endParaRPr lang="pt-BR"/>
           </a:p>
         </p:txBody>
       </p:sp>
@@ -1400,7 +1407,7 @@
           <a:p>
             <a:pPr lvl="0"/>
             <a:r>
-              <a:rPr lang="pt-BR"/>
+              <a:rPr lang="pt-BR" smtClean="0"/>
               <a:t>Editar estilos de texto Mestre</a:t>
             </a:r>
           </a:p>
@@ -1428,37 +1435,38 @@
           <a:p>
             <a:pPr lvl="0"/>
             <a:r>
-              <a:rPr lang="pt-BR"/>
+              <a:rPr lang="pt-BR" smtClean="0"/>
               <a:t>Editar estilos de texto Mestre</a:t>
             </a:r>
           </a:p>
           <a:p>
             <a:pPr lvl="1"/>
             <a:r>
-              <a:rPr lang="pt-BR"/>
+              <a:rPr lang="pt-BR" smtClean="0"/>
               <a:t>Segundo nível</a:t>
             </a:r>
           </a:p>
           <a:p>
             <a:pPr lvl="2"/>
             <a:r>
-              <a:rPr lang="pt-BR"/>
+              <a:rPr lang="pt-BR" smtClean="0"/>
               <a:t>Terceiro nível</a:t>
             </a:r>
           </a:p>
           <a:p>
             <a:pPr lvl="3"/>
             <a:r>
-              <a:rPr lang="pt-BR"/>
+              <a:rPr lang="pt-BR" smtClean="0"/>
               <a:t>Quarto nível</a:t>
             </a:r>
           </a:p>
           <a:p>
             <a:pPr lvl="4"/>
             <a:r>
-              <a:rPr lang="pt-BR"/>
+              <a:rPr lang="pt-BR" smtClean="0"/>
               <a:t>Quinto nível</a:t>
             </a:r>
+            <a:endParaRPr lang="pt-BR"/>
           </a:p>
         </p:txBody>
       </p:sp>
@@ -1521,7 +1529,7 @@
           <a:p>
             <a:pPr lvl="0"/>
             <a:r>
-              <a:rPr lang="pt-BR"/>
+              <a:rPr lang="pt-BR" smtClean="0"/>
               <a:t>Editar estilos de texto Mestre</a:t>
             </a:r>
           </a:p>
@@ -1549,37 +1557,38 @@
           <a:p>
             <a:pPr lvl="0"/>
             <a:r>
-              <a:rPr lang="pt-BR"/>
+              <a:rPr lang="pt-BR" smtClean="0"/>
               <a:t>Editar estilos de texto Mestre</a:t>
             </a:r>
           </a:p>
           <a:p>
             <a:pPr lvl="1"/>
             <a:r>
-              <a:rPr lang="pt-BR"/>
+              <a:rPr lang="pt-BR" smtClean="0"/>
               <a:t>Segundo nível</a:t>
             </a:r>
           </a:p>
           <a:p>
             <a:pPr lvl="2"/>
             <a:r>
-              <a:rPr lang="pt-BR"/>
+              <a:rPr lang="pt-BR" smtClean="0"/>
               <a:t>Terceiro nível</a:t>
             </a:r>
           </a:p>
           <a:p>
             <a:pPr lvl="3"/>
             <a:r>
-              <a:rPr lang="pt-BR"/>
+              <a:rPr lang="pt-BR" smtClean="0"/>
               <a:t>Quarto nível</a:t>
             </a:r>
           </a:p>
           <a:p>
             <a:pPr lvl="4"/>
             <a:r>
-              <a:rPr lang="pt-BR"/>
+              <a:rPr lang="pt-BR" smtClean="0"/>
               <a:t>Quinto nível</a:t>
             </a:r>
+            <a:endParaRPr lang="pt-BR"/>
           </a:p>
         </p:txBody>
       </p:sp>
@@ -1600,7 +1609,7 @@
           <a:p>
             <a:fld id="{A0C22A0B-7C0E-4745-8B8E-FB6EA55E6F93}" type="datetimeFigureOut">
               <a:rPr lang="pt-BR" smtClean="0"/>
-              <a:t>26/08/2023</a:t>
+              <a:t>07/12/2021</a:t>
             </a:fld>
             <a:endParaRPr lang="pt-BR"/>
           </a:p>
@@ -1694,9 +1703,10 @@
           <a:lstStyle/>
           <a:p>
             <a:r>
-              <a:rPr lang="pt-BR"/>
+              <a:rPr lang="pt-BR" smtClean="0"/>
               <a:t>Clique para editar o título mestre</a:t>
             </a:r>
+            <a:endParaRPr lang="pt-BR"/>
           </a:p>
         </p:txBody>
       </p:sp>
@@ -1717,7 +1727,7 @@
           <a:p>
             <a:fld id="{A0C22A0B-7C0E-4745-8B8E-FB6EA55E6F93}" type="datetimeFigureOut">
               <a:rPr lang="pt-BR" smtClean="0"/>
-              <a:t>26/08/2023</a:t>
+              <a:t>07/12/2021</a:t>
             </a:fld>
             <a:endParaRPr lang="pt-BR"/>
           </a:p>
@@ -1812,7 +1822,7 @@
           <a:p>
             <a:fld id="{A0C22A0B-7C0E-4745-8B8E-FB6EA55E6F93}" type="datetimeFigureOut">
               <a:rPr lang="pt-BR" smtClean="0"/>
-              <a:t>26/08/2023</a:t>
+              <a:t>07/12/2021</a:t>
             </a:fld>
             <a:endParaRPr lang="pt-BR"/>
           </a:p>
@@ -1915,9 +1925,10 @@
           </a:lstStyle>
           <a:p>
             <a:r>
-              <a:rPr lang="pt-BR"/>
+              <a:rPr lang="pt-BR" smtClean="0"/>
               <a:t>Clique para editar o título mestre</a:t>
             </a:r>
+            <a:endParaRPr lang="pt-BR"/>
           </a:p>
         </p:txBody>
       </p:sp>
@@ -1971,37 +1982,38 @@
           <a:p>
             <a:pPr lvl="0"/>
             <a:r>
-              <a:rPr lang="pt-BR"/>
+              <a:rPr lang="pt-BR" smtClean="0"/>
               <a:t>Editar estilos de texto Mestre</a:t>
             </a:r>
           </a:p>
           <a:p>
             <a:pPr lvl="1"/>
             <a:r>
-              <a:rPr lang="pt-BR"/>
+              <a:rPr lang="pt-BR" smtClean="0"/>
               <a:t>Segundo nível</a:t>
             </a:r>
           </a:p>
           <a:p>
             <a:pPr lvl="2"/>
             <a:r>
-              <a:rPr lang="pt-BR"/>
+              <a:rPr lang="pt-BR" smtClean="0"/>
               <a:t>Terceiro nível</a:t>
             </a:r>
           </a:p>
           <a:p>
             <a:pPr lvl="3"/>
             <a:r>
-              <a:rPr lang="pt-BR"/>
+              <a:rPr lang="pt-BR" smtClean="0"/>
               <a:t>Quarto nível</a:t>
             </a:r>
           </a:p>
           <a:p>
             <a:pPr lvl="4"/>
             <a:r>
-              <a:rPr lang="pt-BR"/>
+              <a:rPr lang="pt-BR" smtClean="0"/>
               <a:t>Quinto nível</a:t>
             </a:r>
+            <a:endParaRPr lang="pt-BR"/>
           </a:p>
         </p:txBody>
       </p:sp>
@@ -2064,7 +2076,7 @@
           <a:p>
             <a:pPr lvl="0"/>
             <a:r>
-              <a:rPr lang="pt-BR"/>
+              <a:rPr lang="pt-BR" smtClean="0"/>
               <a:t>Editar estilos de texto Mestre</a:t>
             </a:r>
           </a:p>
@@ -2087,7 +2099,7 @@
           <a:p>
             <a:fld id="{A0C22A0B-7C0E-4745-8B8E-FB6EA55E6F93}" type="datetimeFigureOut">
               <a:rPr lang="pt-BR" smtClean="0"/>
-              <a:t>26/08/2023</a:t>
+              <a:t>07/12/2021</a:t>
             </a:fld>
             <a:endParaRPr lang="pt-BR"/>
           </a:p>
@@ -2190,9 +2202,10 @@
           </a:lstStyle>
           <a:p>
             <a:r>
-              <a:rPr lang="pt-BR"/>
+              <a:rPr lang="pt-BR" smtClean="0"/>
               <a:t>Clique para editar o título mestre</a:t>
             </a:r>
+            <a:endParaRPr lang="pt-BR"/>
           </a:p>
         </p:txBody>
       </p:sp>
@@ -2316,7 +2329,7 @@
           <a:p>
             <a:pPr lvl="0"/>
             <a:r>
-              <a:rPr lang="pt-BR"/>
+              <a:rPr lang="pt-BR" smtClean="0"/>
               <a:t>Editar estilos de texto Mestre</a:t>
             </a:r>
           </a:p>
@@ -2339,7 +2352,7 @@
           <a:p>
             <a:fld id="{A0C22A0B-7C0E-4745-8B8E-FB6EA55E6F93}" type="datetimeFigureOut">
               <a:rPr lang="pt-BR" smtClean="0"/>
-              <a:t>26/08/2023</a:t>
+              <a:t>07/12/2021</a:t>
             </a:fld>
             <a:endParaRPr lang="pt-BR"/>
           </a:p>
@@ -2448,9 +2461,10 @@
           <a:lstStyle/>
           <a:p>
             <a:r>
-              <a:rPr lang="pt-BR"/>
+              <a:rPr lang="pt-BR" smtClean="0"/>
               <a:t>Clique para editar o título mestre</a:t>
             </a:r>
+            <a:endParaRPr lang="pt-BR"/>
           </a:p>
         </p:txBody>
       </p:sp>
@@ -2481,37 +2495,38 @@
           <a:p>
             <a:pPr lvl="0"/>
             <a:r>
-              <a:rPr lang="pt-BR"/>
+              <a:rPr lang="pt-BR" smtClean="0"/>
               <a:t>Editar estilos de texto Mestre</a:t>
             </a:r>
           </a:p>
           <a:p>
             <a:pPr lvl="1"/>
             <a:r>
-              <a:rPr lang="pt-BR"/>
+              <a:rPr lang="pt-BR" smtClean="0"/>
               <a:t>Segundo nível</a:t>
             </a:r>
           </a:p>
           <a:p>
             <a:pPr lvl="2"/>
             <a:r>
-              <a:rPr lang="pt-BR"/>
+              <a:rPr lang="pt-BR" smtClean="0"/>
               <a:t>Terceiro nível</a:t>
             </a:r>
           </a:p>
           <a:p>
             <a:pPr lvl="3"/>
             <a:r>
-              <a:rPr lang="pt-BR"/>
+              <a:rPr lang="pt-BR" smtClean="0"/>
               <a:t>Quarto nível</a:t>
             </a:r>
           </a:p>
           <a:p>
             <a:pPr lvl="4"/>
             <a:r>
-              <a:rPr lang="pt-BR"/>
+              <a:rPr lang="pt-BR" smtClean="0"/>
               <a:t>Quinto nível</a:t>
             </a:r>
+            <a:endParaRPr lang="pt-BR"/>
           </a:p>
         </p:txBody>
       </p:sp>
@@ -2550,7 +2565,7 @@
           <a:p>
             <a:fld id="{A0C22A0B-7C0E-4745-8B8E-FB6EA55E6F93}" type="datetimeFigureOut">
               <a:rPr lang="pt-BR" smtClean="0"/>
-              <a:t>26/08/2023</a:t>
+              <a:t>07/12/2021</a:t>
             </a:fld>
             <a:endParaRPr lang="pt-BR"/>
           </a:p>
@@ -2973,11 +2988,14 @@
           <a:lstStyle/>
           <a:p>
             <a:r>
-              <a:rPr lang="pt-BR" sz="7200" b="1" dirty="0">
+              <a:rPr lang="pt-BR" sz="7200" b="1" dirty="0" smtClean="0">
                 <a:latin typeface="Arial Black" panose="020B0A04020102020204" pitchFamily="34" charset="0"/>
               </a:rPr>
               <a:t>SANTO ESPIRITO</a:t>
             </a:r>
+            <a:endParaRPr lang="pt-BR" sz="7200" b="1" dirty="0">
+              <a:latin typeface="Arial Black" panose="020B0A04020102020204" pitchFamily="34" charset="0"/>
+            </a:endParaRPr>
           </a:p>
         </p:txBody>
       </p:sp>
@@ -2999,11 +3017,14 @@
           <a:lstStyle/>
           <a:p>
             <a:r>
-              <a:rPr lang="pt-BR" sz="5400" b="1" dirty="0">
+              <a:rPr lang="pt-BR" sz="5400" b="1" dirty="0" smtClean="0">
                 <a:latin typeface="Arial Black" panose="020B0A04020102020204" pitchFamily="34" charset="0"/>
               </a:rPr>
               <a:t>LAURA  SOUGUELLIS</a:t>
             </a:r>
+            <a:endParaRPr lang="pt-BR" sz="5400" b="1" dirty="0">
+              <a:latin typeface="Arial Black" panose="020B0A04020102020204" pitchFamily="34" charset="0"/>
+            </a:endParaRPr>
           </a:p>
         </p:txBody>
       </p:sp>
@@ -3059,7 +3080,7 @@
           <a:lstStyle/>
           <a:p>
             <a:r>
-              <a:rPr lang="pt-BR" sz="4800" b="1" dirty="0">
+              <a:rPr lang="pt-BR" sz="4800" b="1" dirty="0" smtClean="0">
                 <a:latin typeface="Arial Black" panose="020B0A04020102020204" pitchFamily="34" charset="0"/>
               </a:rPr>
               <a:t>SANTO ESPÍRITO, ÉS BEM-VINDO AQUI</a:t>
@@ -3067,7 +3088,7 @@
           </a:p>
           <a:p>
             <a:r>
-              <a:rPr lang="pt-BR" sz="4800" b="1" dirty="0">
+              <a:rPr lang="pt-BR" sz="4800" b="1" dirty="0" smtClean="0">
                 <a:latin typeface="Arial Black" panose="020B0A04020102020204" pitchFamily="34" charset="0"/>
               </a:rPr>
               <a:t>VEM INUNDAR, ENCHER ESSE LUGAR</a:t>
@@ -3075,7 +3096,7 @@
           </a:p>
           <a:p>
             <a:r>
-              <a:rPr lang="pt-BR" sz="4800" b="1" dirty="0">
+              <a:rPr lang="pt-BR" sz="4800" b="1" dirty="0" smtClean="0">
                 <a:latin typeface="Arial Black" panose="020B0A04020102020204" pitchFamily="34" charset="0"/>
               </a:rPr>
               <a:t>É O DESEJO DO MEU CORAÇÃO</a:t>
@@ -3083,11 +3104,14 @@
           </a:p>
           <a:p>
             <a:r>
-              <a:rPr lang="pt-BR" sz="4800" b="1" dirty="0">
+              <a:rPr lang="pt-BR" sz="4800" b="1" dirty="0" smtClean="0">
                 <a:latin typeface="Arial Black" panose="020B0A04020102020204" pitchFamily="34" charset="0"/>
               </a:rPr>
               <a:t>SERMOS INUNDADOS POR TUA GLÓRIA, SENHOR</a:t>
             </a:r>
+            <a:endParaRPr lang="pt-BR" sz="4800" b="1" dirty="0">
+              <a:latin typeface="Arial Black" panose="020B0A04020102020204" pitchFamily="34" charset="0"/>
+            </a:endParaRPr>
           </a:p>
         </p:txBody>
       </p:sp>
@@ -3129,7 +3153,7 @@
         </p:nvSpPr>
         <p:spPr>
           <a:xfrm>
-            <a:off x="584200" y="0"/>
+            <a:off x="660400" y="503535"/>
             <a:ext cx="11023600" cy="6740307"/>
           </a:xfrm>
           <a:prstGeom prst="rect">
@@ -3143,7 +3167,7 @@
           <a:lstStyle/>
           <a:p>
             <a:r>
-              <a:rPr lang="pt-BR" sz="5400" b="1" dirty="0">
+              <a:rPr lang="pt-BR" sz="5400" b="1" dirty="0" smtClean="0">
                 <a:latin typeface="Arial Black" panose="020B0A04020102020204" pitchFamily="34" charset="0"/>
               </a:rPr>
               <a:t>SANTO ESPÍRITO, ÉS BEM-VINDO AQUI</a:t>
@@ -3151,7 +3175,7 @@
           </a:p>
           <a:p>
             <a:r>
-              <a:rPr lang="pt-BR" sz="5400" b="1" dirty="0">
+              <a:rPr lang="pt-BR" sz="5400" b="1" dirty="0" smtClean="0">
                 <a:latin typeface="Arial Black" panose="020B0A04020102020204" pitchFamily="34" charset="0"/>
               </a:rPr>
               <a:t>VEM INUNDAR, ENCHER ESSE LUGAR</a:t>
@@ -3159,7 +3183,7 @@
           </a:p>
           <a:p>
             <a:r>
-              <a:rPr lang="pt-BR" sz="5400" b="1" dirty="0">
+              <a:rPr lang="pt-BR" sz="5400" b="1" dirty="0" smtClean="0">
                 <a:latin typeface="Arial Black" panose="020B0A04020102020204" pitchFamily="34" charset="0"/>
               </a:rPr>
               <a:t>É O DESEJO DO MEU CORAÇÃO</a:t>
@@ -3167,11 +3191,14 @@
           </a:p>
           <a:p>
             <a:r>
-              <a:rPr lang="pt-BR" sz="5400" b="1" dirty="0">
+              <a:rPr lang="pt-BR" sz="5400" b="1" dirty="0" smtClean="0">
                 <a:latin typeface="Arial Black" panose="020B0A04020102020204" pitchFamily="34" charset="0"/>
               </a:rPr>
               <a:t>SERMOS INUNDADOS POR TUA GLÓRIA, SENHOR</a:t>
             </a:r>
+            <a:endParaRPr lang="pt-BR" sz="5400" b="1" dirty="0">
+              <a:latin typeface="Arial Black" panose="020B0A04020102020204" pitchFamily="34" charset="0"/>
+            </a:endParaRPr>
           </a:p>
         </p:txBody>
       </p:sp>
@@ -3227,7 +3254,7 @@
           <a:lstStyle/>
           <a:p>
             <a:r>
-              <a:rPr lang="pt-BR" sz="6600" b="1" dirty="0">
+              <a:rPr lang="pt-BR" sz="6600" b="1" dirty="0" smtClean="0">
                 <a:latin typeface="Arial Black" panose="020B0A04020102020204" pitchFamily="34" charset="0"/>
               </a:rPr>
               <a:t>NÃO HÁ NADA IGUAL</a:t>
@@ -3235,7 +3262,7 @@
           </a:p>
           <a:p>
             <a:r>
-              <a:rPr lang="pt-BR" sz="6600" b="1" dirty="0">
+              <a:rPr lang="pt-BR" sz="6600" b="1" dirty="0" smtClean="0">
                 <a:latin typeface="Arial Black" panose="020B0A04020102020204" pitchFamily="34" charset="0"/>
               </a:rPr>
               <a:t>NÃO HÁ NADA MELHOR</a:t>
@@ -3243,7 +3270,7 @@
           </a:p>
           <a:p>
             <a:r>
-              <a:rPr lang="pt-BR" sz="6600" b="1" dirty="0">
+              <a:rPr lang="pt-BR" sz="6600" b="1" dirty="0" smtClean="0">
                 <a:latin typeface="Arial Black" panose="020B0A04020102020204" pitchFamily="34" charset="0"/>
               </a:rPr>
               <a:t>A QUE SE COMPARA À ESPERANÇA VIVA</a:t>
@@ -3251,11 +3278,14 @@
           </a:p>
           <a:p>
             <a:r>
-              <a:rPr lang="pt-BR" sz="6600" b="1" dirty="0">
+              <a:rPr lang="pt-BR" sz="6600" b="1" dirty="0" smtClean="0">
                 <a:latin typeface="Arial Black" panose="020B0A04020102020204" pitchFamily="34" charset="0"/>
               </a:rPr>
               <a:t>TUA PRESENÇA</a:t>
             </a:r>
+            <a:endParaRPr lang="pt-BR" sz="6600" b="1" dirty="0">
+              <a:latin typeface="Arial Black" panose="020B0A04020102020204" pitchFamily="34" charset="0"/>
+            </a:endParaRPr>
           </a:p>
         </p:txBody>
       </p:sp>
@@ -3311,7 +3341,7 @@
           <a:lstStyle/>
           <a:p>
             <a:r>
-              <a:rPr lang="pt-BR" sz="6000" b="1" dirty="0">
+              <a:rPr lang="pt-BR" sz="6000" b="1" dirty="0" smtClean="0">
                 <a:latin typeface="Arial Black" panose="020B0A04020102020204" pitchFamily="34" charset="0"/>
               </a:rPr>
               <a:t>EU PROVEI E VI</a:t>
@@ -3319,7 +3349,7 @@
           </a:p>
           <a:p>
             <a:r>
-              <a:rPr lang="pt-BR" sz="6000" b="1" dirty="0">
+              <a:rPr lang="pt-BR" sz="6000" b="1" dirty="0" smtClean="0">
                 <a:latin typeface="Arial Black" panose="020B0A04020102020204" pitchFamily="34" charset="0"/>
               </a:rPr>
               <a:t>O MAIS DOCE AMOR</a:t>
@@ -3327,7 +3357,7 @@
           </a:p>
           <a:p>
             <a:r>
-              <a:rPr lang="pt-BR" sz="6000" b="1" dirty="0">
+              <a:rPr lang="pt-BR" sz="6000" b="1" dirty="0" smtClean="0">
                 <a:latin typeface="Arial Black" panose="020B0A04020102020204" pitchFamily="34" charset="0"/>
               </a:rPr>
               <a:t>QUE LIBERTA O MEU SER</a:t>
@@ -3335,7 +3365,7 @@
           </a:p>
           <a:p>
             <a:r>
-              <a:rPr lang="pt-BR" sz="6000" b="1" dirty="0">
+              <a:rPr lang="pt-BR" sz="6000" b="1" dirty="0" smtClean="0">
                 <a:latin typeface="Arial Black" panose="020B0A04020102020204" pitchFamily="34" charset="0"/>
               </a:rPr>
               <a:t>E A VERGONHA DESFAZ</a:t>
@@ -3343,11 +3373,14 @@
           </a:p>
           <a:p>
             <a:r>
-              <a:rPr lang="pt-BR" sz="6000" b="1" dirty="0">
+              <a:rPr lang="pt-BR" sz="6000" b="1" dirty="0" smtClean="0">
                 <a:latin typeface="Arial Black" panose="020B0A04020102020204" pitchFamily="34" charset="0"/>
               </a:rPr>
               <a:t>TUA PRESENÇA</a:t>
             </a:r>
+            <a:endParaRPr lang="pt-BR" sz="6000" b="1" dirty="0">
+              <a:latin typeface="Arial Black" panose="020B0A04020102020204" pitchFamily="34" charset="0"/>
+            </a:endParaRPr>
           </a:p>
         </p:txBody>
       </p:sp>
@@ -3403,7 +3436,7 @@
           <a:lstStyle/>
           <a:p>
             <a:r>
-              <a:rPr lang="pt-BR" sz="4800" b="1" dirty="0">
+              <a:rPr lang="pt-BR" sz="4800" b="1" dirty="0" smtClean="0">
                 <a:latin typeface="Arial Black" panose="020B0A04020102020204" pitchFamily="34" charset="0"/>
               </a:rPr>
               <a:t>SANTO ESPÍRITO, ÉS BEM-VINDO AQUI</a:t>
@@ -3411,7 +3444,7 @@
           </a:p>
           <a:p>
             <a:r>
-              <a:rPr lang="pt-BR" sz="4800" b="1" dirty="0">
+              <a:rPr lang="pt-BR" sz="4800" b="1" dirty="0" smtClean="0">
                 <a:latin typeface="Arial Black" panose="020B0A04020102020204" pitchFamily="34" charset="0"/>
               </a:rPr>
               <a:t>VEM INUNDAR, ENCHER ESSE LUGAR</a:t>
@@ -3419,7 +3452,7 @@
           </a:p>
           <a:p>
             <a:r>
-              <a:rPr lang="pt-BR" sz="4800" b="1" dirty="0">
+              <a:rPr lang="pt-BR" sz="4800" b="1" dirty="0" smtClean="0">
                 <a:latin typeface="Arial Black" panose="020B0A04020102020204" pitchFamily="34" charset="0"/>
               </a:rPr>
               <a:t>É O DESEJO DO MEU CORAÇÃO</a:t>
@@ -3427,7 +3460,7 @@
           </a:p>
           <a:p>
             <a:r>
-              <a:rPr lang="pt-BR" sz="4800" b="1" dirty="0">
+              <a:rPr lang="pt-BR" sz="4800" b="1" dirty="0" smtClean="0">
                 <a:latin typeface="Arial Black" panose="020B0A04020102020204" pitchFamily="34" charset="0"/>
               </a:rPr>
               <a:t>SERMOS INUNDADOS</a:t>
@@ -3435,11 +3468,14 @@
           </a:p>
           <a:p>
             <a:r>
-              <a:rPr lang="pt-BR" sz="4800" b="1" dirty="0">
+              <a:rPr lang="pt-BR" sz="4800" b="1" dirty="0" smtClean="0">
                 <a:latin typeface="Arial Black" panose="020B0A04020102020204" pitchFamily="34" charset="0"/>
               </a:rPr>
               <a:t> POR TUA GLÓRIA, SENHOR</a:t>
             </a:r>
+            <a:endParaRPr lang="pt-BR" sz="4800" b="1" dirty="0">
+              <a:latin typeface="Arial Black" panose="020B0A04020102020204" pitchFamily="34" charset="0"/>
+            </a:endParaRPr>
           </a:p>
         </p:txBody>
       </p:sp>
@@ -3495,7 +3531,7 @@
           <a:lstStyle/>
           <a:p>
             <a:r>
-              <a:rPr lang="pt-BR" sz="5400" b="1" dirty="0">
+              <a:rPr lang="pt-BR" sz="5400" b="1" dirty="0" smtClean="0">
                 <a:latin typeface="Arial Black" panose="020B0A04020102020204" pitchFamily="34" charset="0"/>
               </a:rPr>
               <a:t>SANTO ESPÍRITO, ÉS BEM-VINDO AQUI</a:t>
@@ -3503,7 +3539,7 @@
           </a:p>
           <a:p>
             <a:r>
-              <a:rPr lang="pt-BR" sz="5400" b="1" dirty="0">
+              <a:rPr lang="pt-BR" sz="5400" b="1" dirty="0" smtClean="0">
                 <a:latin typeface="Arial Black" panose="020B0A04020102020204" pitchFamily="34" charset="0"/>
               </a:rPr>
               <a:t>VEM INUNDAR, ENCHER ESSE LUGAR</a:t>
@@ -3511,7 +3547,7 @@
           </a:p>
           <a:p>
             <a:r>
-              <a:rPr lang="pt-BR" sz="5400" b="1" dirty="0">
+              <a:rPr lang="pt-BR" sz="5400" b="1" dirty="0" smtClean="0">
                 <a:latin typeface="Arial Black" panose="020B0A04020102020204" pitchFamily="34" charset="0"/>
               </a:rPr>
               <a:t>É O DESEJO DO MEU CORAÇÃO</a:t>
@@ -3519,11 +3555,14 @@
           </a:p>
           <a:p>
             <a:r>
-              <a:rPr lang="pt-BR" sz="5400" b="1" dirty="0">
+              <a:rPr lang="pt-BR" sz="5400" b="1" dirty="0" smtClean="0">
                 <a:latin typeface="Arial Black" panose="020B0A04020102020204" pitchFamily="34" charset="0"/>
               </a:rPr>
               <a:t>SERMOS INUNDADOS POR TUA GLÓRIA, SENHOR</a:t>
             </a:r>
+            <a:endParaRPr lang="pt-BR" sz="5400" b="1" dirty="0">
+              <a:latin typeface="Arial Black" panose="020B0A04020102020204" pitchFamily="34" charset="0"/>
+            </a:endParaRPr>
           </a:p>
         </p:txBody>
       </p:sp>
@@ -3531,93 +3570,6 @@
     <p:extLst>
       <p:ext uri="{BB962C8B-B14F-4D97-AF65-F5344CB8AC3E}">
         <p14:creationId xmlns:p14="http://schemas.microsoft.com/office/powerpoint/2010/main" val="3588965166"/>
-      </p:ext>
-    </p:extLst>
-  </p:cSld>
-  <p:clrMapOvr>
-    <a:masterClrMapping/>
-  </p:clrMapOvr>
-</p:sld>
-</file>
-
-<file path=ppt/slides/slide8.xml><?xml version="1.0" encoding="utf-8"?>
-<p:sld xmlns:a="http://schemas.openxmlformats.org/drawingml/2006/main" xmlns:r="http://schemas.openxmlformats.org/officeDocument/2006/relationships" xmlns:p="http://schemas.openxmlformats.org/presentationml/2006/main">
-  <p:cSld>
-    <p:spTree>
-      <p:nvGrpSpPr>
-        <p:cNvPr id="1" name=""/>
-        <p:cNvGrpSpPr/>
-        <p:nvPr/>
-      </p:nvGrpSpPr>
-      <p:grpSpPr>
-        <a:xfrm>
-          <a:off x="0" y="0"/>
-          <a:ext cx="0" cy="0"/>
-          <a:chOff x="0" y="0"/>
-          <a:chExt cx="0" cy="0"/>
-        </a:xfrm>
-      </p:grpSpPr>
-      <p:sp>
-        <p:nvSpPr>
-          <p:cNvPr id="2" name="Título 1">
-            <a:extLst>
-              <a:ext uri="{FF2B5EF4-FFF2-40B4-BE49-F238E27FC236}">
-                <a16:creationId xmlns:a16="http://schemas.microsoft.com/office/drawing/2014/main" id="{30AC7EC4-6190-187E-62B7-CC5F7C85D8B9}"/>
-              </a:ext>
-            </a:extLst>
-          </p:cNvPr>
-          <p:cNvSpPr>
-            <a:spLocks noGrp="1"/>
-          </p:cNvSpPr>
-          <p:nvPr>
-            <p:ph type="title"/>
-          </p:nvPr>
-        </p:nvSpPr>
-        <p:spPr>
-          <a:xfrm>
-            <a:off x="1008529" y="2695949"/>
-            <a:ext cx="10515600" cy="1325563"/>
-          </a:xfrm>
-        </p:spPr>
-        <p:txBody>
-          <a:bodyPr>
-            <a:noAutofit/>
-          </a:bodyPr>
-          <a:lstStyle/>
-          <a:p>
-            <a:r>
-              <a:rPr lang="pt-BR" sz="6600" dirty="0">
-                <a:latin typeface="Arial Black" panose="020B0A04020102020204" pitchFamily="34" charset="0"/>
-              </a:rPr>
-              <a:t>VAMOS PROVAR O QUÃO REAL É TUA PRESENÇA</a:t>
-            </a:r>
-            <a:br>
-              <a:rPr lang="pt-BR" sz="6600" dirty="0">
-                <a:latin typeface="Arial Black" panose="020B0A04020102020204" pitchFamily="34" charset="0"/>
-              </a:rPr>
-            </a:br>
-            <a:r>
-              <a:rPr lang="pt-BR" sz="6600" dirty="0">
-                <a:latin typeface="Arial Black" panose="020B0A04020102020204" pitchFamily="34" charset="0"/>
-              </a:rPr>
-              <a:t>VAMOS PROVAR A TUA GLÓRIA </a:t>
-            </a:r>
-            <a:r>
-              <a:rPr lang="pt-BR" sz="6600">
-                <a:latin typeface="Arial Black" panose="020B0A04020102020204" pitchFamily="34" charset="0"/>
-              </a:rPr>
-              <a:t>E BONDADE</a:t>
-            </a:r>
-            <a:endParaRPr lang="pt-BR" sz="6600" dirty="0">
-              <a:latin typeface="Arial Black" panose="020B0A04020102020204" pitchFamily="34" charset="0"/>
-            </a:endParaRPr>
-          </a:p>
-        </p:txBody>
-      </p:sp>
-    </p:spTree>
-    <p:extLst>
-      <p:ext uri="{BB962C8B-B14F-4D97-AF65-F5344CB8AC3E}">
-        <p14:creationId xmlns:p14="http://schemas.microsoft.com/office/powerpoint/2010/main" val="1897900168"/>
       </p:ext>
     </p:extLst>
   </p:cSld>
